--- a/シミュレーション機能表示.pptx
+++ b/シミュレーション機能表示.pptx
@@ -104,6 +104,11 @@
       </a:defRPr>
     </a:lvl9pPr>
   </p:defaultTextStyle>
+  <p:extLst>
+    <p:ext uri="{EFAFB233-063F-42B5-8137-9DF3F51BA10A}">
+      <p15:sldGuideLst xmlns:p15="http://schemas.microsoft.com/office/powerpoint/2012/main"/>
+    </p:ext>
+  </p:extLst>
 </p:presentation>
 </file>
 
@@ -254,7 +259,7 @@
           <a:p>
             <a:fld id="{368ADCB2-7173-8E42-B748-329E56913AFC}" type="datetimeFigureOut">
               <a:rPr kumimoji="1" lang="ja-JP" altLang="en-US" smtClean="0"/>
-              <a:t>2019/2/6</a:t>
+              <a:t>2019/2/11</a:t>
             </a:fld>
             <a:endParaRPr kumimoji="1" lang="ja-JP" altLang="en-US"/>
           </a:p>
@@ -459,7 +464,7 @@
           <a:p>
             <a:fld id="{368ADCB2-7173-8E42-B748-329E56913AFC}" type="datetimeFigureOut">
               <a:rPr kumimoji="1" lang="ja-JP" altLang="en-US" smtClean="0"/>
-              <a:t>2019/2/6</a:t>
+              <a:t>2019/2/11</a:t>
             </a:fld>
             <a:endParaRPr kumimoji="1" lang="ja-JP" altLang="en-US"/>
           </a:p>
@@ -674,7 +679,7 @@
           <a:p>
             <a:fld id="{368ADCB2-7173-8E42-B748-329E56913AFC}" type="datetimeFigureOut">
               <a:rPr kumimoji="1" lang="ja-JP" altLang="en-US" smtClean="0"/>
-              <a:t>2019/2/6</a:t>
+              <a:t>2019/2/11</a:t>
             </a:fld>
             <a:endParaRPr kumimoji="1" lang="ja-JP" altLang="en-US"/>
           </a:p>
@@ -879,7 +884,7 @@
           <a:p>
             <a:fld id="{368ADCB2-7173-8E42-B748-329E56913AFC}" type="datetimeFigureOut">
               <a:rPr kumimoji="1" lang="ja-JP" altLang="en-US" smtClean="0"/>
-              <a:t>2019/2/6</a:t>
+              <a:t>2019/2/11</a:t>
             </a:fld>
             <a:endParaRPr kumimoji="1" lang="ja-JP" altLang="en-US"/>
           </a:p>
@@ -1189,7 +1194,7 @@
           <a:p>
             <a:fld id="{368ADCB2-7173-8E42-B748-329E56913AFC}" type="datetimeFigureOut">
               <a:rPr kumimoji="1" lang="ja-JP" altLang="en-US" smtClean="0"/>
-              <a:t>2019/2/6</a:t>
+              <a:t>2019/2/11</a:t>
             </a:fld>
             <a:endParaRPr kumimoji="1" lang="ja-JP" altLang="en-US"/>
           </a:p>
@@ -1468,7 +1473,7 @@
           <a:p>
             <a:fld id="{368ADCB2-7173-8E42-B748-329E56913AFC}" type="datetimeFigureOut">
               <a:rPr kumimoji="1" lang="ja-JP" altLang="en-US" smtClean="0"/>
-              <a:t>2019/2/6</a:t>
+              <a:t>2019/2/11</a:t>
             </a:fld>
             <a:endParaRPr kumimoji="1" lang="ja-JP" altLang="en-US"/>
           </a:p>
@@ -1964,7 +1969,7 @@
           <a:p>
             <a:fld id="{368ADCB2-7173-8E42-B748-329E56913AFC}" type="datetimeFigureOut">
               <a:rPr kumimoji="1" lang="ja-JP" altLang="en-US" smtClean="0"/>
-              <a:t>2019/2/6</a:t>
+              <a:t>2019/2/11</a:t>
             </a:fld>
             <a:endParaRPr kumimoji="1" lang="ja-JP" altLang="en-US"/>
           </a:p>
@@ -2105,7 +2110,7 @@
           <a:p>
             <a:fld id="{368ADCB2-7173-8E42-B748-329E56913AFC}" type="datetimeFigureOut">
               <a:rPr kumimoji="1" lang="ja-JP" altLang="en-US" smtClean="0"/>
-              <a:t>2019/2/6</a:t>
+              <a:t>2019/2/11</a:t>
             </a:fld>
             <a:endParaRPr kumimoji="1" lang="ja-JP" altLang="en-US"/>
           </a:p>
@@ -2218,7 +2223,7 @@
           <a:p>
             <a:fld id="{368ADCB2-7173-8E42-B748-329E56913AFC}" type="datetimeFigureOut">
               <a:rPr kumimoji="1" lang="ja-JP" altLang="en-US" smtClean="0"/>
-              <a:t>2019/2/6</a:t>
+              <a:t>2019/2/11</a:t>
             </a:fld>
             <a:endParaRPr kumimoji="1" lang="ja-JP" altLang="en-US"/>
           </a:p>
@@ -2571,7 +2576,7 @@
           <a:p>
             <a:fld id="{368ADCB2-7173-8E42-B748-329E56913AFC}" type="datetimeFigureOut">
               <a:rPr kumimoji="1" lang="ja-JP" altLang="en-US" smtClean="0"/>
-              <a:t>2019/2/6</a:t>
+              <a:t>2019/2/11</a:t>
             </a:fld>
             <a:endParaRPr kumimoji="1" lang="ja-JP" altLang="en-US"/>
           </a:p>
@@ -2894,7 +2899,7 @@
           <a:p>
             <a:fld id="{368ADCB2-7173-8E42-B748-329E56913AFC}" type="datetimeFigureOut">
               <a:rPr kumimoji="1" lang="ja-JP" altLang="en-US" smtClean="0"/>
-              <a:t>2019/2/6</a:t>
+              <a:t>2019/2/11</a:t>
             </a:fld>
             <a:endParaRPr kumimoji="1" lang="ja-JP" altLang="en-US"/>
           </a:p>
@@ -3142,7 +3147,7 @@
           <a:p>
             <a:fld id="{368ADCB2-7173-8E42-B748-329E56913AFC}" type="datetimeFigureOut">
               <a:rPr kumimoji="1" lang="ja-JP" altLang="en-US" smtClean="0"/>
-              <a:t>2019/2/6</a:t>
+              <a:t>2019/2/11</a:t>
             </a:fld>
             <a:endParaRPr kumimoji="1" lang="ja-JP" altLang="en-US"/>
           </a:p>
@@ -3760,7 +3765,7 @@
           <a:p>
             <a:r>
               <a:rPr lang="ja-JP" altLang="en-US"/>
-              <a:t>現在状態で取り得る確変数値の範囲</a:t>
+              <a:t>現在状態で取り得る各変数値の範囲</a:t>
             </a:r>
             <a:endParaRPr kumimoji="1" lang="ja-JP" altLang="en-US"/>
           </a:p>
